--- a/thesis/sketch_real.pptx
+++ b/thesis/sketch_real.pptx
@@ -243,7 +243,7 @@
           <a:p>
             <a:fld id="{0EA81038-F128-47FD-8732-CEF995A70821}" type="datetimeFigureOut">
               <a:rPr lang="de-DE" smtClean="0"/>
-              <a:t>10.08.2016</a:t>
+              <a:t>28.08.2016</a:t>
             </a:fld>
             <a:endParaRPr lang="de-DE"/>
           </a:p>
@@ -413,7 +413,7 @@
           <a:p>
             <a:fld id="{0EA81038-F128-47FD-8732-CEF995A70821}" type="datetimeFigureOut">
               <a:rPr lang="de-DE" smtClean="0"/>
-              <a:t>10.08.2016</a:t>
+              <a:t>28.08.2016</a:t>
             </a:fld>
             <a:endParaRPr lang="de-DE"/>
           </a:p>
@@ -593,7 +593,7 @@
           <a:p>
             <a:fld id="{0EA81038-F128-47FD-8732-CEF995A70821}" type="datetimeFigureOut">
               <a:rPr lang="de-DE" smtClean="0"/>
-              <a:t>10.08.2016</a:t>
+              <a:t>28.08.2016</a:t>
             </a:fld>
             <a:endParaRPr lang="de-DE"/>
           </a:p>
@@ -763,7 +763,7 @@
           <a:p>
             <a:fld id="{0EA81038-F128-47FD-8732-CEF995A70821}" type="datetimeFigureOut">
               <a:rPr lang="de-DE" smtClean="0"/>
-              <a:t>10.08.2016</a:t>
+              <a:t>28.08.2016</a:t>
             </a:fld>
             <a:endParaRPr lang="de-DE"/>
           </a:p>
@@ -1009,7 +1009,7 @@
           <a:p>
             <a:fld id="{0EA81038-F128-47FD-8732-CEF995A70821}" type="datetimeFigureOut">
               <a:rPr lang="de-DE" smtClean="0"/>
-              <a:t>10.08.2016</a:t>
+              <a:t>28.08.2016</a:t>
             </a:fld>
             <a:endParaRPr lang="de-DE"/>
           </a:p>
@@ -1241,7 +1241,7 @@
           <a:p>
             <a:fld id="{0EA81038-F128-47FD-8732-CEF995A70821}" type="datetimeFigureOut">
               <a:rPr lang="de-DE" smtClean="0"/>
-              <a:t>10.08.2016</a:t>
+              <a:t>28.08.2016</a:t>
             </a:fld>
             <a:endParaRPr lang="de-DE"/>
           </a:p>
@@ -1608,7 +1608,7 @@
           <a:p>
             <a:fld id="{0EA81038-F128-47FD-8732-CEF995A70821}" type="datetimeFigureOut">
               <a:rPr lang="de-DE" smtClean="0"/>
-              <a:t>10.08.2016</a:t>
+              <a:t>28.08.2016</a:t>
             </a:fld>
             <a:endParaRPr lang="de-DE"/>
           </a:p>
@@ -1726,7 +1726,7 @@
           <a:p>
             <a:fld id="{0EA81038-F128-47FD-8732-CEF995A70821}" type="datetimeFigureOut">
               <a:rPr lang="de-DE" smtClean="0"/>
-              <a:t>10.08.2016</a:t>
+              <a:t>28.08.2016</a:t>
             </a:fld>
             <a:endParaRPr lang="de-DE"/>
           </a:p>
@@ -1821,7 +1821,7 @@
           <a:p>
             <a:fld id="{0EA81038-F128-47FD-8732-CEF995A70821}" type="datetimeFigureOut">
               <a:rPr lang="de-DE" smtClean="0"/>
-              <a:t>10.08.2016</a:t>
+              <a:t>28.08.2016</a:t>
             </a:fld>
             <a:endParaRPr lang="de-DE"/>
           </a:p>
@@ -2098,7 +2098,7 @@
           <a:p>
             <a:fld id="{0EA81038-F128-47FD-8732-CEF995A70821}" type="datetimeFigureOut">
               <a:rPr lang="de-DE" smtClean="0"/>
-              <a:t>10.08.2016</a:t>
+              <a:t>28.08.2016</a:t>
             </a:fld>
             <a:endParaRPr lang="de-DE"/>
           </a:p>
@@ -2351,7 +2351,7 @@
           <a:p>
             <a:fld id="{0EA81038-F128-47FD-8732-CEF995A70821}" type="datetimeFigureOut">
               <a:rPr lang="de-DE" smtClean="0"/>
-              <a:t>10.08.2016</a:t>
+              <a:t>28.08.2016</a:t>
             </a:fld>
             <a:endParaRPr lang="de-DE"/>
           </a:p>
@@ -2564,7 +2564,7 @@
           <a:p>
             <a:fld id="{0EA81038-F128-47FD-8732-CEF995A70821}" type="datetimeFigureOut">
               <a:rPr lang="de-DE" smtClean="0"/>
-              <a:t>10.08.2016</a:t>
+              <a:t>28.08.2016</a:t>
             </a:fld>
             <a:endParaRPr lang="de-DE"/>
           </a:p>
@@ -2992,34 +2992,52 @@
           <a:lstStyle/>
           <a:p>
             <a:r>
-              <a:rPr lang="de-DE" dirty="0" smtClean="0"/>
+              <a:rPr lang="de-DE" dirty="0" smtClean="0">
+                <a:latin typeface="Palatino Linotype" panose="02040502050505030304" pitchFamily="18" charset="0"/>
+              </a:rPr>
               <a:t/>
             </a:r>
             <a:br>
-              <a:rPr lang="de-DE" dirty="0" smtClean="0"/>
+              <a:rPr lang="de-DE" dirty="0" smtClean="0">
+                <a:latin typeface="Palatino Linotype" panose="02040502050505030304" pitchFamily="18" charset="0"/>
+              </a:rPr>
             </a:br>
             <a:r>
-              <a:rPr lang="de-DE" dirty="0"/>
+              <a:rPr lang="de-DE" dirty="0">
+                <a:latin typeface="Palatino Linotype" panose="02040502050505030304" pitchFamily="18" charset="0"/>
+              </a:rPr>
               <a:t/>
             </a:r>
             <a:br>
-              <a:rPr lang="de-DE" dirty="0"/>
+              <a:rPr lang="de-DE" dirty="0">
+                <a:latin typeface="Palatino Linotype" panose="02040502050505030304" pitchFamily="18" charset="0"/>
+              </a:rPr>
             </a:br>
             <a:r>
-              <a:rPr lang="de-DE" dirty="0" smtClean="0"/>
+              <a:rPr lang="de-DE" dirty="0" smtClean="0">
+                <a:latin typeface="Palatino Linotype" panose="02040502050505030304" pitchFamily="18" charset="0"/>
+              </a:rPr>
               <a:t/>
             </a:r>
             <a:br>
-              <a:rPr lang="de-DE" dirty="0" smtClean="0"/>
+              <a:rPr lang="de-DE" dirty="0" smtClean="0">
+                <a:latin typeface="Palatino Linotype" panose="02040502050505030304" pitchFamily="18" charset="0"/>
+              </a:rPr>
             </a:br>
             <a:r>
-              <a:rPr lang="de-DE" dirty="0"/>
+              <a:rPr lang="de-DE" dirty="0">
+                <a:latin typeface="Palatino Linotype" panose="02040502050505030304" pitchFamily="18" charset="0"/>
+              </a:rPr>
               <a:t/>
             </a:r>
             <a:br>
-              <a:rPr lang="de-DE" dirty="0"/>
+              <a:rPr lang="de-DE" dirty="0">
+                <a:latin typeface="Palatino Linotype" panose="02040502050505030304" pitchFamily="18" charset="0"/>
+              </a:rPr>
             </a:br>
-            <a:endParaRPr lang="de-DE" dirty="0"/>
+            <a:endParaRPr lang="de-DE" dirty="0">
+              <a:latin typeface="Palatino Linotype" panose="02040502050505030304" pitchFamily="18" charset="0"/>
+            </a:endParaRPr>
           </a:p>
         </p:txBody>
       </p:sp>
@@ -3072,6 +3090,7 @@
                 <a:solidFill>
                   <a:schemeClr val="tx1"/>
                 </a:solidFill>
+                <a:latin typeface="Palatino Linotype" panose="02040502050505030304" pitchFamily="18" charset="0"/>
               </a:rPr>
               <a:t>Canon EOS 600D</a:t>
             </a:r>
@@ -3079,6 +3098,7 @@
               <a:solidFill>
                 <a:schemeClr val="tx1"/>
               </a:solidFill>
+              <a:latin typeface="Palatino Linotype" panose="02040502050505030304" pitchFamily="18" charset="0"/>
             </a:endParaRPr>
           </a:p>
         </p:txBody>
@@ -3128,17 +3148,19 @@
           <a:p>
             <a:pPr algn="ctr"/>
             <a:r>
-              <a:rPr lang="de-DE" sz="2400" dirty="0" smtClean="0">
+              <a:rPr lang="de-DE" sz="2000" dirty="0" smtClean="0">
                 <a:solidFill>
                   <a:schemeClr val="tx1"/>
                 </a:solidFill>
+                <a:latin typeface="Palatino Linotype" panose="02040502050505030304" pitchFamily="18" charset="0"/>
               </a:rPr>
               <a:t>Nexus 7 (2012)</a:t>
             </a:r>
-            <a:endParaRPr lang="de-DE" sz="2400" dirty="0">
+            <a:endParaRPr lang="de-DE" sz="2000" dirty="0">
               <a:solidFill>
                 <a:schemeClr val="tx1"/>
               </a:solidFill>
+              <a:latin typeface="Palatino Linotype" panose="02040502050505030304" pitchFamily="18" charset="0"/>
             </a:endParaRPr>
           </a:p>
         </p:txBody>
@@ -3192,6 +3214,7 @@
                 <a:solidFill>
                   <a:schemeClr val="tx1"/>
                 </a:solidFill>
+                <a:latin typeface="Palatino Linotype" panose="02040502050505030304" pitchFamily="18" charset="0"/>
               </a:rPr>
               <a:t>PHP-Server</a:t>
             </a:r>
@@ -3199,6 +3222,7 @@
               <a:solidFill>
                 <a:schemeClr val="tx1"/>
               </a:solidFill>
+              <a:latin typeface="Palatino Linotype" panose="02040502050505030304" pitchFamily="18" charset="0"/>
             </a:endParaRPr>
           </a:p>
         </p:txBody>
@@ -3250,6 +3274,7 @@
                 <a:solidFill>
                   <a:schemeClr val="tx1"/>
                 </a:solidFill>
+                <a:latin typeface="Palatino Linotype" panose="02040502050505030304" pitchFamily="18" charset="0"/>
               </a:rPr>
               <a:t>Fotobox</a:t>
             </a:r>
@@ -3257,6 +3282,7 @@
               <a:solidFill>
                 <a:schemeClr val="tx1"/>
               </a:solidFill>
+              <a:latin typeface="Palatino Linotype" panose="02040502050505030304" pitchFamily="18" charset="0"/>
             </a:endParaRPr>
           </a:p>
         </p:txBody>
@@ -3376,13 +3402,15 @@
                 <a:solidFill>
                   <a:schemeClr val="tx1"/>
                 </a:solidFill>
+                <a:latin typeface="Palatino Linotype" panose="02040502050505030304" pitchFamily="18" charset="0"/>
               </a:rPr>
-              <a:t>OTG-USB</a:t>
+              <a:t>OTG -USB</a:t>
             </a:r>
             <a:endParaRPr lang="de-DE" sz="2400" dirty="0">
               <a:solidFill>
                 <a:schemeClr val="tx1"/>
               </a:solidFill>
+              <a:latin typeface="Palatino Linotype" panose="02040502050505030304" pitchFamily="18" charset="0"/>
             </a:endParaRPr>
           </a:p>
         </p:txBody>
@@ -3424,10 +3452,14 @@
           <a:p>
             <a:pPr algn="ctr"/>
             <a:r>
-              <a:rPr lang="de-DE" sz="2400" dirty="0" smtClean="0"/>
+              <a:rPr lang="de-DE" sz="2400" dirty="0" smtClean="0">
+                <a:latin typeface="Palatino Linotype" panose="02040502050505030304" pitchFamily="18" charset="0"/>
+              </a:rPr>
               <a:t>PTP</a:t>
             </a:r>
-            <a:endParaRPr lang="de-DE" sz="2400" dirty="0"/>
+            <a:endParaRPr lang="de-DE" sz="2400" dirty="0">
+              <a:latin typeface="Palatino Linotype" panose="02040502050505030304" pitchFamily="18" charset="0"/>
+            </a:endParaRPr>
           </a:p>
         </p:txBody>
       </p:sp>
@@ -3501,10 +3533,14 @@
           <a:p>
             <a:pPr algn="ctr"/>
             <a:r>
-              <a:rPr lang="de-DE" dirty="0" smtClean="0"/>
+              <a:rPr lang="de-DE" dirty="0" smtClean="0">
+                <a:latin typeface="Palatino Linotype" panose="02040502050505030304" pitchFamily="18" charset="0"/>
+              </a:rPr>
               <a:t>HTTP Post</a:t>
             </a:r>
-            <a:endParaRPr lang="de-DE" dirty="0"/>
+            <a:endParaRPr lang="de-DE" dirty="0">
+              <a:latin typeface="Palatino Linotype" panose="02040502050505030304" pitchFamily="18" charset="0"/>
+            </a:endParaRPr>
           </a:p>
         </p:txBody>
       </p:sp>
@@ -3557,6 +3593,7 @@
                 <a:solidFill>
                   <a:schemeClr val="tx1"/>
                 </a:solidFill>
+                <a:latin typeface="Palatino Linotype" panose="02040502050505030304" pitchFamily="18" charset="0"/>
               </a:rPr>
               <a:t>Nutzer</a:t>
             </a:r>
@@ -3564,6 +3601,7 @@
               <a:solidFill>
                 <a:schemeClr val="tx1"/>
               </a:solidFill>
+              <a:latin typeface="Palatino Linotype" panose="02040502050505030304" pitchFamily="18" charset="0"/>
             </a:endParaRPr>
           </a:p>
         </p:txBody>
@@ -3671,10 +3709,14 @@
           <a:p>
             <a:pPr algn="ctr"/>
             <a:r>
-              <a:rPr lang="de-DE" sz="2400" dirty="0" smtClean="0"/>
+              <a:rPr lang="de-DE" sz="2400" dirty="0" smtClean="0">
+                <a:latin typeface="Palatino Linotype" panose="02040502050505030304" pitchFamily="18" charset="0"/>
+              </a:rPr>
               <a:t>PTP</a:t>
             </a:r>
-            <a:endParaRPr lang="de-DE" sz="2400" dirty="0"/>
+            <a:endParaRPr lang="de-DE" sz="2400" dirty="0">
+              <a:latin typeface="Palatino Linotype" panose="02040502050505030304" pitchFamily="18" charset="0"/>
+            </a:endParaRPr>
           </a:p>
         </p:txBody>
       </p:sp>
@@ -3760,6 +3802,7 @@
                 <a:solidFill>
                   <a:schemeClr val="tx1"/>
                 </a:solidFill>
+                <a:latin typeface="Palatino Linotype" panose="02040502050505030304" pitchFamily="18" charset="0"/>
               </a:rPr>
               <a:t>Yongnuo</a:t>
             </a:r>
@@ -3767,22 +3810,34 @@
               <a:solidFill>
                 <a:schemeClr val="tx1"/>
               </a:solidFill>
+              <a:latin typeface="Palatino Linotype" panose="02040502050505030304" pitchFamily="18" charset="0"/>
             </a:endParaRPr>
           </a:p>
           <a:p>
             <a:pPr algn="ctr"/>
+            <a:r>
+              <a:rPr lang="de-DE" sz="2400" smtClean="0">
+                <a:solidFill>
+                  <a:schemeClr val="tx1"/>
+                </a:solidFill>
+                <a:latin typeface="Palatino Linotype" panose="02040502050505030304" pitchFamily="18" charset="0"/>
+              </a:rPr>
+              <a:t>RF-603C </a:t>
+            </a:r>
             <a:r>
               <a:rPr lang="de-DE" sz="2400" dirty="0" smtClean="0">
                 <a:solidFill>
                   <a:schemeClr val="tx1"/>
                 </a:solidFill>
+                <a:latin typeface="Palatino Linotype" panose="02040502050505030304" pitchFamily="18" charset="0"/>
               </a:rPr>
-              <a:t>RF603C II</a:t>
+              <a:t>II</a:t>
             </a:r>
             <a:endParaRPr lang="de-DE" sz="2400" dirty="0">
               <a:solidFill>
                 <a:schemeClr val="tx1"/>
               </a:solidFill>
+              <a:latin typeface="Palatino Linotype" panose="02040502050505030304" pitchFamily="18" charset="0"/>
             </a:endParaRPr>
           </a:p>
         </p:txBody>
@@ -3829,7 +3884,9 @@
           <a:lstStyle/>
           <a:p>
             <a:pPr algn="ctr"/>
-            <a:endParaRPr lang="de-DE"/>
+            <a:endParaRPr lang="de-DE">
+              <a:latin typeface="Palatino Linotype" panose="02040502050505030304" pitchFamily="18" charset="0"/>
+            </a:endParaRPr>
           </a:p>
         </p:txBody>
       </p:sp>
@@ -3841,8 +3898,8 @@
         </p:nvSpPr>
         <p:spPr>
           <a:xfrm>
-            <a:off x="157948" y="5610936"/>
-            <a:ext cx="2825004" cy="584775"/>
+            <a:off x="214096" y="5610936"/>
+            <a:ext cx="3010368" cy="523220"/>
           </a:xfrm>
           <a:prstGeom prst="rect">
             <a:avLst/>
@@ -3850,16 +3907,20 @@
           <a:noFill/>
         </p:spPr>
         <p:txBody>
-          <a:bodyPr wrap="none" rtlCol="0">
+          <a:bodyPr wrap="square" rtlCol="0">
             <a:spAutoFit/>
           </a:bodyPr>
           <a:lstStyle/>
           <a:p>
             <a:r>
-              <a:rPr lang="de-DE" sz="3200" dirty="0" smtClean="0"/>
+              <a:rPr lang="de-DE" sz="2800" dirty="0" smtClean="0">
+                <a:latin typeface="Palatino Linotype" panose="02040502050505030304" pitchFamily="18" charset="0"/>
+              </a:rPr>
               <a:t>Grobhandtaster</a:t>
             </a:r>
-            <a:endParaRPr lang="de-DE" sz="3200" dirty="0"/>
+            <a:endParaRPr lang="de-DE" sz="2800" dirty="0">
+              <a:latin typeface="Palatino Linotype" panose="02040502050505030304" pitchFamily="18" charset="0"/>
+            </a:endParaRPr>
           </a:p>
         </p:txBody>
       </p:sp>
@@ -3871,8 +3932,8 @@
         </p:nvCxnSpPr>
         <p:spPr>
           <a:xfrm flipH="1">
-            <a:off x="2643451" y="5237621"/>
-            <a:ext cx="1530393" cy="1"/>
+            <a:off x="3060543" y="5237621"/>
+            <a:ext cx="1080000" cy="1"/>
           </a:xfrm>
           <a:prstGeom prst="straightConnector1">
             <a:avLst/>
@@ -4011,6 +4072,7 @@
                 <a:solidFill>
                   <a:schemeClr val="tx1"/>
                 </a:solidFill>
+                <a:latin typeface="Palatino Linotype" panose="02040502050505030304" pitchFamily="18" charset="0"/>
               </a:rPr>
               <a:t>Yongnuo</a:t>
             </a:r>
@@ -4018,6 +4080,7 @@
               <a:solidFill>
                 <a:schemeClr val="tx1"/>
               </a:solidFill>
+              <a:latin typeface="Palatino Linotype" panose="02040502050505030304" pitchFamily="18" charset="0"/>
             </a:endParaRPr>
           </a:p>
           <a:p>
@@ -4027,13 +4090,226 @@
                 <a:solidFill>
                   <a:schemeClr val="tx1"/>
                 </a:solidFill>
+                <a:latin typeface="Palatino Linotype" panose="02040502050505030304" pitchFamily="18" charset="0"/>
               </a:rPr>
-              <a:t>RF603C II</a:t>
+              <a:t>RF-603C </a:t>
+            </a:r>
+            <a:r>
+              <a:rPr lang="de-DE" sz="2400" dirty="0" smtClean="0">
+                <a:solidFill>
+                  <a:schemeClr val="tx1"/>
+                </a:solidFill>
+                <a:latin typeface="Palatino Linotype" panose="02040502050505030304" pitchFamily="18" charset="0"/>
+              </a:rPr>
+              <a:t>II</a:t>
             </a:r>
             <a:endParaRPr lang="de-DE" sz="2400" dirty="0">
               <a:solidFill>
                 <a:schemeClr val="tx1"/>
               </a:solidFill>
+              <a:latin typeface="Palatino Linotype" panose="02040502050505030304" pitchFamily="18" charset="0"/>
+            </a:endParaRPr>
+          </a:p>
+        </p:txBody>
+      </p:sp>
+      <p:sp>
+        <p:nvSpPr>
+          <p:cNvPr id="3" name="Rechteck 2"/>
+          <p:cNvSpPr/>
+          <p:nvPr/>
+        </p:nvSpPr>
+        <p:spPr>
+          <a:xfrm>
+            <a:off x="8365958" y="3751624"/>
+            <a:ext cx="3529263" cy="1718734"/>
+          </a:xfrm>
+          <a:prstGeom prst="rect">
+            <a:avLst/>
+          </a:prstGeom>
+          <a:noFill/>
+          <a:ln>
+            <a:solidFill>
+              <a:srgbClr val="C00000"/>
+            </a:solidFill>
+          </a:ln>
+        </p:spPr>
+        <p:style>
+          <a:lnRef idx="2">
+            <a:schemeClr val="accent1">
+              <a:shade val="50000"/>
+            </a:schemeClr>
+          </a:lnRef>
+          <a:fillRef idx="1">
+            <a:schemeClr val="accent1"/>
+          </a:fillRef>
+          <a:effectRef idx="0">
+            <a:schemeClr val="accent1"/>
+          </a:effectRef>
+          <a:fontRef idx="minor">
+            <a:schemeClr val="lt1"/>
+          </a:fontRef>
+        </p:style>
+        <p:txBody>
+          <a:bodyPr rtlCol="0" anchor="ctr"/>
+          <a:lstStyle/>
+          <a:p>
+            <a:pPr algn="ctr"/>
+            <a:endParaRPr lang="de-DE">
+              <a:latin typeface="Palatino Linotype" panose="02040502050505030304" pitchFamily="18" charset="0"/>
+            </a:endParaRPr>
+          </a:p>
+        </p:txBody>
+      </p:sp>
+      <p:sp>
+        <p:nvSpPr>
+          <p:cNvPr id="11" name="Abgerundetes Rechteck 10"/>
+          <p:cNvSpPr/>
+          <p:nvPr/>
+        </p:nvSpPr>
+        <p:spPr>
+          <a:xfrm>
+            <a:off x="8537947" y="3920858"/>
+            <a:ext cx="1544516" cy="993292"/>
+          </a:xfrm>
+          <a:prstGeom prst="roundRect">
+            <a:avLst/>
+          </a:prstGeom>
+          <a:solidFill>
+            <a:schemeClr val="bg2"/>
+          </a:solidFill>
+          <a:ln>
+            <a:noFill/>
+          </a:ln>
+        </p:spPr>
+        <p:style>
+          <a:lnRef idx="2">
+            <a:schemeClr val="accent1">
+              <a:shade val="50000"/>
+            </a:schemeClr>
+          </a:lnRef>
+          <a:fillRef idx="1">
+            <a:schemeClr val="accent1"/>
+          </a:fillRef>
+          <a:effectRef idx="0">
+            <a:schemeClr val="accent1"/>
+          </a:effectRef>
+          <a:fontRef idx="minor">
+            <a:schemeClr val="lt1"/>
+          </a:fontRef>
+        </p:style>
+        <p:txBody>
+          <a:bodyPr rtlCol="0" anchor="ctr"/>
+          <a:lstStyle/>
+          <a:p>
+            <a:pPr algn="ctr"/>
+            <a:r>
+              <a:rPr lang="de-DE" dirty="0">
+                <a:solidFill>
+                  <a:schemeClr val="tx1"/>
+                </a:solidFill>
+                <a:latin typeface="Palatino Linotype" panose="02040502050505030304" pitchFamily="18" charset="0"/>
+              </a:rPr>
+              <a:t>TP-LONI2-BI50HO</a:t>
+            </a:r>
+            <a:endParaRPr lang="de-DE" dirty="0">
+              <a:solidFill>
+                <a:schemeClr val="tx1"/>
+              </a:solidFill>
+              <a:latin typeface="Palatino Linotype" panose="02040502050505030304" pitchFamily="18" charset="0"/>
+            </a:endParaRPr>
+          </a:p>
+        </p:txBody>
+      </p:sp>
+      <p:sp>
+        <p:nvSpPr>
+          <p:cNvPr id="27" name="Abgerundetes Rechteck 26"/>
+          <p:cNvSpPr/>
+          <p:nvPr/>
+        </p:nvSpPr>
+        <p:spPr>
+          <a:xfrm>
+            <a:off x="10182259" y="3920859"/>
+            <a:ext cx="1544516" cy="993292"/>
+          </a:xfrm>
+          <a:prstGeom prst="roundRect">
+            <a:avLst/>
+          </a:prstGeom>
+          <a:solidFill>
+            <a:schemeClr val="bg2"/>
+          </a:solidFill>
+          <a:ln>
+            <a:noFill/>
+          </a:ln>
+        </p:spPr>
+        <p:style>
+          <a:lnRef idx="2">
+            <a:schemeClr val="accent1">
+              <a:shade val="50000"/>
+            </a:schemeClr>
+          </a:lnRef>
+          <a:fillRef idx="1">
+            <a:schemeClr val="accent1"/>
+          </a:fillRef>
+          <a:effectRef idx="0">
+            <a:schemeClr val="accent1"/>
+          </a:effectRef>
+          <a:fontRef idx="minor">
+            <a:schemeClr val="lt1"/>
+          </a:fontRef>
+        </p:style>
+        <p:txBody>
+          <a:bodyPr rtlCol="0" anchor="ctr"/>
+          <a:lstStyle/>
+          <a:p>
+            <a:pPr algn="ctr"/>
+            <a:r>
+              <a:rPr lang="de-DE" dirty="0">
+                <a:solidFill>
+                  <a:schemeClr val="tx1"/>
+                </a:solidFill>
+                <a:latin typeface="Palatino Linotype" panose="02040502050505030304" pitchFamily="18" charset="0"/>
+              </a:rPr>
+              <a:t>TP-LONI2-BI50HO</a:t>
+            </a:r>
+            <a:endParaRPr lang="de-DE" dirty="0">
+              <a:solidFill>
+                <a:schemeClr val="tx1"/>
+              </a:solidFill>
+              <a:latin typeface="Palatino Linotype" panose="02040502050505030304" pitchFamily="18" charset="0"/>
+            </a:endParaRPr>
+          </a:p>
+        </p:txBody>
+      </p:sp>
+      <p:sp>
+        <p:nvSpPr>
+          <p:cNvPr id="13" name="Textfeld 12"/>
+          <p:cNvSpPr txBox="1"/>
+          <p:nvPr/>
+        </p:nvSpPr>
+        <p:spPr>
+          <a:xfrm>
+            <a:off x="8603756" y="4946234"/>
+            <a:ext cx="3283443" cy="523220"/>
+          </a:xfrm>
+          <a:prstGeom prst="rect">
+            <a:avLst/>
+          </a:prstGeom>
+          <a:noFill/>
+        </p:spPr>
+        <p:txBody>
+          <a:bodyPr wrap="square" rtlCol="0">
+            <a:spAutoFit/>
+          </a:bodyPr>
+          <a:lstStyle/>
+          <a:p>
+            <a:r>
+              <a:rPr lang="de-DE" sz="2800" dirty="0" smtClean="0">
+                <a:latin typeface="Palatino Linotype" panose="02040502050505030304" pitchFamily="18" charset="0"/>
+              </a:rPr>
+              <a:t>Dauerbeleuchtung</a:t>
+            </a:r>
+            <a:endParaRPr lang="de-DE" sz="2800" dirty="0">
+              <a:latin typeface="Palatino Linotype" panose="02040502050505030304" pitchFamily="18" charset="0"/>
             </a:endParaRPr>
           </a:p>
         </p:txBody>
